--- a/Präsentationen/Steganographie&Steganalyse_Gesamtpräsentation_Termin2.pptx
+++ b/Präsentationen/Steganographie&Steganalyse_Gesamtpräsentation_Termin2.pptx
@@ -5,12 +5,16 @@
     <p:sldMasterId id="2147483648" r:id="rId1"/>
   </p:sldMasterIdLst>
   <p:notesMasterIdLst>
-    <p:notesMasterId r:id="rId5"/>
+    <p:notesMasterId r:id="rId9"/>
   </p:notesMasterIdLst>
   <p:sldIdLst>
     <p:sldId id="272" r:id="rId2"/>
     <p:sldId id="273" r:id="rId3"/>
-    <p:sldId id="278" r:id="rId4"/>
+    <p:sldId id="274" r:id="rId4"/>
+    <p:sldId id="276" r:id="rId5"/>
+    <p:sldId id="277" r:id="rId6"/>
+    <p:sldId id="278" r:id="rId7"/>
+    <p:sldId id="275" r:id="rId8"/>
   </p:sldIdLst>
   <p:sldSz cx="9144000" cy="6858000" type="screen4x3"/>
   <p:notesSz cx="6858000" cy="9144000"/>
@@ -199,7 +203,7 @@
           <a:p>
             <a:fld id="{A2405D4A-591D-2B41-B8F4-FA371B41D1CF}" type="datetimeFigureOut">
               <a:rPr lang="de-DE" smtClean="0"/>
-              <a:t>03.12.18</a:t>
+              <a:t>08.12.18</a:t>
             </a:fld>
             <a:endParaRPr lang="de-DE"/>
           </a:p>
@@ -466,6 +470,97 @@
 </p:notesMaster>
 </file>
 
+<file path=ppt/notesSlides/notesSlide1.xml><?xml version="1.0" encoding="utf-8"?>
+<p:notes xmlns:a="http://schemas.openxmlformats.org/drawingml/2006/main" xmlns:r="http://schemas.openxmlformats.org/officeDocument/2006/relationships" xmlns:p="http://schemas.openxmlformats.org/presentationml/2006/main">
+  <p:cSld>
+    <p:spTree>
+      <p:nvGrpSpPr>
+        <p:cNvPr id="1" name=""/>
+        <p:cNvGrpSpPr/>
+        <p:nvPr/>
+      </p:nvGrpSpPr>
+      <p:grpSpPr>
+        <a:xfrm>
+          <a:off x="0" y="0"/>
+          <a:ext cx="0" cy="0"/>
+          <a:chOff x="0" y="0"/>
+          <a:chExt cx="0" cy="0"/>
+        </a:xfrm>
+      </p:grpSpPr>
+      <p:sp>
+        <p:nvSpPr>
+          <p:cNvPr id="2" name="Folienbildplatzhalter 1"/>
+          <p:cNvSpPr>
+            <a:spLocks noGrp="1" noRot="1" noChangeAspect="1"/>
+          </p:cNvSpPr>
+          <p:nvPr>
+            <p:ph type="sldImg"/>
+          </p:nvPr>
+        </p:nvSpPr>
+        <p:spPr/>
+      </p:sp>
+      <p:sp>
+        <p:nvSpPr>
+          <p:cNvPr id="3" name="Notizenplatzhalter 2"/>
+          <p:cNvSpPr>
+            <a:spLocks noGrp="1"/>
+          </p:cNvSpPr>
+          <p:nvPr>
+            <p:ph type="body" idx="1"/>
+          </p:nvPr>
+        </p:nvSpPr>
+        <p:spPr/>
+        <p:txBody>
+          <a:bodyPr/>
+          <a:lstStyle/>
+          <a:p>
+            <a:r>
+              <a:rPr lang="de-DE" dirty="0"/>
+              <a:t>Hier letzten 10 Bits ersetzt, sonst </a:t>
+            </a:r>
+            <a:r>
+              <a:rPr lang="de-DE"/>
+              <a:t>kaum wahrnehmbar</a:t>
+            </a:r>
+          </a:p>
+        </p:txBody>
+      </p:sp>
+      <p:sp>
+        <p:nvSpPr>
+          <p:cNvPr id="4" name="Foliennummernplatzhalter 3"/>
+          <p:cNvSpPr>
+            <a:spLocks noGrp="1"/>
+          </p:cNvSpPr>
+          <p:nvPr>
+            <p:ph type="sldNum" sz="quarter" idx="5"/>
+          </p:nvPr>
+        </p:nvSpPr>
+        <p:spPr/>
+        <p:txBody>
+          <a:bodyPr/>
+          <a:lstStyle/>
+          <a:p>
+            <a:fld id="{4657A71A-5AE3-EA43-B407-0093EC871AAE}" type="slidenum">
+              <a:rPr lang="de-DE" smtClean="0"/>
+              <a:t>6</a:t>
+            </a:fld>
+            <a:endParaRPr lang="de-DE"/>
+          </a:p>
+        </p:txBody>
+      </p:sp>
+    </p:spTree>
+    <p:extLst>
+      <p:ext uri="{BB962C8B-B14F-4D97-AF65-F5344CB8AC3E}">
+        <p14:creationId xmlns:p14="http://schemas.microsoft.com/office/powerpoint/2010/main" val="2973935966"/>
+      </p:ext>
+    </p:extLst>
+  </p:cSld>
+  <p:clrMapOvr>
+    <a:masterClrMapping/>
+  </p:clrMapOvr>
+</p:notes>
+</file>
+
 <file path=ppt/slideLayouts/slideLayout1.xml><?xml version="1.0" encoding="utf-8"?>
 <p:sldLayout xmlns:a="http://schemas.openxmlformats.org/drawingml/2006/main" xmlns:r="http://schemas.openxmlformats.org/officeDocument/2006/relationships" xmlns:p="http://schemas.openxmlformats.org/presentationml/2006/main" preserve="1" userDrawn="1">
   <p:cSld name="Titelfolie">
@@ -1461,7 +1556,7 @@
                 <a:ea typeface="Helvetica" charset="0"/>
                 <a:cs typeface="Helvetica" charset="0"/>
               </a:rPr>
-              <a:t>3. Dezember 2018</a:t>
+              <a:t>8. Dezember 2018</a:t>
             </a:fld>
             <a:endParaRPr lang="de-DE" sz="1400" b="1" dirty="0">
               <a:effectLst/>
@@ -3846,7 +3941,7 @@
           <a:p>
             <a:pPr lvl="1"/>
             <a:r>
-              <a:rPr lang="de-DE"/>
+              <a:rPr lang="de-DE" dirty="0"/>
               <a:t>Histogramm-Angriff</a:t>
             </a:r>
           </a:p>
@@ -3911,14 +4006,20 @@
           <a:p>
             <a:r>
               <a:rPr lang="de-DE" dirty="0"/>
-              <a:t>Fragen oder Anmerkungen?</a:t>
-            </a:r>
-          </a:p>
-        </p:txBody>
-      </p:sp>
-      <p:sp>
-        <p:nvSpPr>
-          <p:cNvPr id="3" name="Inhaltsplatzhalter 2"/>
+              <a:t>Audio - Grundlagen</a:t>
+            </a:r>
+          </a:p>
+        </p:txBody>
+      </p:sp>
+      <p:sp>
+        <p:nvSpPr>
+          <p:cNvPr id="9" name="Inhaltsplatzhalter 8">
+            <a:extLst>
+              <a:ext uri="{FF2B5EF4-FFF2-40B4-BE49-F238E27FC236}">
+                <a16:creationId xmlns:a16="http://schemas.microsoft.com/office/drawing/2014/main" id="{1FABA068-3A6B-E341-9F66-04ACB7EB5476}"/>
+              </a:ext>
+            </a:extLst>
+          </p:cNvPr>
           <p:cNvSpPr>
             <a:spLocks noGrp="1"/>
           </p:cNvSpPr>
@@ -3926,18 +4027,120 @@
             <p:ph idx="1"/>
           </p:nvPr>
         </p:nvSpPr>
-        <p:spPr/>
-        <p:txBody>
-          <a:bodyPr/>
-          <a:lstStyle/>
-          <a:p>
-            <a:endParaRPr lang="de-DE"/>
+        <p:spPr>
+          <a:xfrm>
+            <a:off x="628650" y="1825625"/>
+            <a:ext cx="7886700" cy="4463663"/>
+          </a:xfrm>
+        </p:spPr>
+        <p:txBody>
+          <a:bodyPr>
+            <a:normAutofit/>
+          </a:bodyPr>
+          <a:lstStyle/>
+          <a:p>
+            <a:r>
+              <a:rPr lang="de-DE" dirty="0"/>
+              <a:t>Amplitude</a:t>
+            </a:r>
+          </a:p>
+          <a:p>
+            <a:pPr lvl="1"/>
+            <a:r>
+              <a:rPr lang="de-DE" dirty="0"/>
+              <a:t>Größe der Vibration</a:t>
+            </a:r>
+          </a:p>
+          <a:p>
+            <a:pPr lvl="1"/>
+            <a:r>
+              <a:rPr lang="de-DE" dirty="0"/>
+              <a:t>Bestimmt wie laut der Ton ist</a:t>
+            </a:r>
+          </a:p>
+          <a:p>
+            <a:endParaRPr lang="de-DE" dirty="0"/>
+          </a:p>
+          <a:p>
+            <a:endParaRPr lang="de-DE" dirty="0"/>
+          </a:p>
+          <a:p>
+            <a:endParaRPr lang="de-DE" dirty="0"/>
+          </a:p>
+          <a:p>
+            <a:r>
+              <a:rPr lang="de-DE" dirty="0"/>
+              <a:t>Frequenz</a:t>
+            </a:r>
+          </a:p>
+          <a:p>
+            <a:pPr lvl="1"/>
+            <a:r>
+              <a:rPr lang="de-DE" dirty="0"/>
+              <a:t>Geschwindigkeit der Vibration</a:t>
+            </a:r>
+          </a:p>
+          <a:p>
+            <a:pPr lvl="1"/>
+            <a:r>
+              <a:rPr lang="de-DE" dirty="0"/>
+              <a:t>Bestimmt die Tonhöhe</a:t>
+            </a:r>
+          </a:p>
+          <a:p>
+            <a:pPr lvl="1"/>
+            <a:r>
+              <a:rPr lang="de-DE" dirty="0"/>
+              <a:t>Gemessen in Hertz</a:t>
+            </a:r>
+          </a:p>
+          <a:p>
+            <a:pPr lvl="1"/>
+            <a:r>
+              <a:rPr lang="de-DE" dirty="0">
+                <a:sym typeface="Wingdings" pitchFamily="2" charset="2"/>
+              </a:rPr>
+              <a:t>1 Hz = 1 Zyklus / Sekunde </a:t>
+            </a:r>
+            <a:endParaRPr lang="de-DE" dirty="0"/>
+          </a:p>
+          <a:p>
+            <a:pPr marL="342876" lvl="1" indent="0">
+              <a:buNone/>
+            </a:pPr>
+            <a:endParaRPr lang="de-DE" dirty="0"/>
+          </a:p>
+          <a:p>
+            <a:endParaRPr lang="de-DE" dirty="0"/>
+          </a:p>
+          <a:p>
+            <a:pPr lvl="1"/>
+            <a:endParaRPr lang="de-DE" dirty="0"/>
+          </a:p>
+          <a:p>
+            <a:pPr lvl="1"/>
+            <a:endParaRPr lang="de-DE" dirty="0"/>
+          </a:p>
+          <a:p>
+            <a:pPr marL="342876" lvl="1" indent="0">
+              <a:buNone/>
+            </a:pPr>
+            <a:endParaRPr lang="de-DE" dirty="0"/>
+          </a:p>
+          <a:p>
+            <a:endParaRPr lang="de-DE" dirty="0"/>
           </a:p>
         </p:txBody>
       </p:sp>
       <p:pic>
         <p:nvPicPr>
-          <p:cNvPr id="4" name="Bild 3"/>
+          <p:cNvPr id="13" name="Grafik 12">
+            <a:extLst>
+              <a:ext uri="{FF2B5EF4-FFF2-40B4-BE49-F238E27FC236}">
+                <a16:creationId xmlns:a16="http://schemas.microsoft.com/office/drawing/2014/main" id="{126C59FE-FE7B-5A40-A4B2-143EC46C9863}"/>
+              </a:ext>
+            </a:extLst>
+          </p:cNvPr>
           <p:cNvPicPr>
             <a:picLocks noChangeAspect="1"/>
           </p:cNvPicPr>
@@ -3951,8 +4154,68 @@
         </p:blipFill>
         <p:spPr>
           <a:xfrm>
-            <a:off x="2380638" y="1809932"/>
-            <a:ext cx="4382724" cy="4382724"/>
+            <a:off x="4830174" y="2001328"/>
+            <a:ext cx="4144072" cy="969889"/>
+          </a:xfrm>
+          <a:prstGeom prst="rect">
+            <a:avLst/>
+          </a:prstGeom>
+        </p:spPr>
+      </p:pic>
+      <p:pic>
+        <p:nvPicPr>
+          <p:cNvPr id="15" name="Grafik 14">
+            <a:extLst>
+              <a:ext uri="{FF2B5EF4-FFF2-40B4-BE49-F238E27FC236}">
+                <a16:creationId xmlns:a16="http://schemas.microsoft.com/office/drawing/2014/main" id="{1E8945BD-4CA1-DF44-8F7C-7500D0ABE332}"/>
+              </a:ext>
+            </a:extLst>
+          </p:cNvPr>
+          <p:cNvPicPr>
+            <a:picLocks noChangeAspect="1"/>
+          </p:cNvPicPr>
+          <p:nvPr/>
+        </p:nvPicPr>
+        <p:blipFill>
+          <a:blip r:embed="rId3"/>
+          <a:stretch>
+            <a:fillRect/>
+          </a:stretch>
+        </p:blipFill>
+        <p:spPr>
+          <a:xfrm>
+            <a:off x="4830174" y="4148195"/>
+            <a:ext cx="4042015" cy="1032471"/>
+          </a:xfrm>
+          <a:prstGeom prst="rect">
+            <a:avLst/>
+          </a:prstGeom>
+        </p:spPr>
+      </p:pic>
+      <p:pic>
+        <p:nvPicPr>
+          <p:cNvPr id="17" name="Grafik 16">
+            <a:extLst>
+              <a:ext uri="{FF2B5EF4-FFF2-40B4-BE49-F238E27FC236}">
+                <a16:creationId xmlns:a16="http://schemas.microsoft.com/office/drawing/2014/main" id="{8324FF42-7904-2845-8717-57B719EBFB64}"/>
+              </a:ext>
+            </a:extLst>
+          </p:cNvPr>
+          <p:cNvPicPr>
+            <a:picLocks noChangeAspect="1"/>
+          </p:cNvPicPr>
+          <p:nvPr/>
+        </p:nvPicPr>
+        <p:blipFill>
+          <a:blip r:embed="rId4"/>
+          <a:stretch>
+            <a:fillRect/>
+          </a:stretch>
+        </p:blipFill>
+        <p:spPr>
+          <a:xfrm>
+            <a:off x="4852172" y="5352585"/>
+            <a:ext cx="4198137" cy="733655"/>
           </a:xfrm>
           <a:prstGeom prst="rect">
             <a:avLst/>
@@ -3962,7 +4225,775 @@
     </p:spTree>
     <p:extLst>
       <p:ext uri="{BB962C8B-B14F-4D97-AF65-F5344CB8AC3E}">
-        <p14:creationId xmlns:p14="http://schemas.microsoft.com/office/powerpoint/2010/main" val="720038617"/>
+        <p14:creationId xmlns:p14="http://schemas.microsoft.com/office/powerpoint/2010/main" val="540382736"/>
+      </p:ext>
+    </p:extLst>
+  </p:cSld>
+  <p:clrMapOvr>
+    <a:masterClrMapping/>
+  </p:clrMapOvr>
+</p:sld>
+</file>
+
+<file path=ppt/slides/slide4.xml><?xml version="1.0" encoding="utf-8"?>
+<p:sld xmlns:a="http://schemas.openxmlformats.org/drawingml/2006/main" xmlns:r="http://schemas.openxmlformats.org/officeDocument/2006/relationships" xmlns:p="http://schemas.openxmlformats.org/presentationml/2006/main">
+  <p:cSld>
+    <p:spTree>
+      <p:nvGrpSpPr>
+        <p:cNvPr id="1" name=""/>
+        <p:cNvGrpSpPr/>
+        <p:nvPr/>
+      </p:nvGrpSpPr>
+      <p:grpSpPr>
+        <a:xfrm>
+          <a:off x="0" y="0"/>
+          <a:ext cx="0" cy="0"/>
+          <a:chOff x="0" y="0"/>
+          <a:chExt cx="0" cy="0"/>
+        </a:xfrm>
+      </p:grpSpPr>
+      <p:sp>
+        <p:nvSpPr>
+          <p:cNvPr id="2" name="Titel 1">
+            <a:extLst>
+              <a:ext uri="{FF2B5EF4-FFF2-40B4-BE49-F238E27FC236}">
+                <a16:creationId xmlns:a16="http://schemas.microsoft.com/office/drawing/2014/main" id="{62C5742A-A122-1A43-8074-CEC90952D557}"/>
+              </a:ext>
+            </a:extLst>
+          </p:cNvPr>
+          <p:cNvSpPr>
+            <a:spLocks noGrp="1"/>
+          </p:cNvSpPr>
+          <p:nvPr>
+            <p:ph type="title"/>
+          </p:nvPr>
+        </p:nvSpPr>
+        <p:spPr/>
+        <p:txBody>
+          <a:bodyPr/>
+          <a:lstStyle/>
+          <a:p>
+            <a:r>
+              <a:rPr lang="de-DE" dirty="0"/>
+              <a:t>Audio – Abtasten</a:t>
+            </a:r>
+          </a:p>
+        </p:txBody>
+      </p:sp>
+      <p:sp>
+        <p:nvSpPr>
+          <p:cNvPr id="3" name="Inhaltsplatzhalter 2">
+            <a:extLst>
+              <a:ext uri="{FF2B5EF4-FFF2-40B4-BE49-F238E27FC236}">
+                <a16:creationId xmlns:a16="http://schemas.microsoft.com/office/drawing/2014/main" id="{72BC8A8C-3035-5A44-B517-ABBB20B445F5}"/>
+              </a:ext>
+            </a:extLst>
+          </p:cNvPr>
+          <p:cNvSpPr>
+            <a:spLocks noGrp="1"/>
+          </p:cNvSpPr>
+          <p:nvPr>
+            <p:ph idx="1"/>
+          </p:nvPr>
+        </p:nvSpPr>
+        <p:spPr/>
+        <p:txBody>
+          <a:bodyPr/>
+          <a:lstStyle/>
+          <a:p>
+            <a:r>
+              <a:rPr lang="de-DE" dirty="0"/>
+              <a:t>Kurve wird in gleichbleibenden Abständen abgetastet</a:t>
+            </a:r>
+          </a:p>
+          <a:p>
+            <a:r>
+              <a:rPr lang="de-DE" dirty="0"/>
+              <a:t>Bei zu geringer Abtastfrequenz kommt es zu einer falschen Interpolation</a:t>
+            </a:r>
+          </a:p>
+        </p:txBody>
+      </p:sp>
+      <p:pic>
+        <p:nvPicPr>
+          <p:cNvPr id="8" name="Grafik 7">
+            <a:extLst>
+              <a:ext uri="{FF2B5EF4-FFF2-40B4-BE49-F238E27FC236}">
+                <a16:creationId xmlns:a16="http://schemas.microsoft.com/office/drawing/2014/main" id="{9F55A931-7FD0-AC4A-9AC4-6A8A5FA429EA}"/>
+              </a:ext>
+            </a:extLst>
+          </p:cNvPr>
+          <p:cNvPicPr>
+            <a:picLocks noChangeAspect="1"/>
+          </p:cNvPicPr>
+          <p:nvPr/>
+        </p:nvPicPr>
+        <p:blipFill>
+          <a:blip r:embed="rId2"/>
+          <a:stretch>
+            <a:fillRect/>
+          </a:stretch>
+        </p:blipFill>
+        <p:spPr>
+          <a:xfrm>
+            <a:off x="628650" y="3429000"/>
+            <a:ext cx="8204200" cy="2667000"/>
+          </a:xfrm>
+          <a:prstGeom prst="rect">
+            <a:avLst/>
+          </a:prstGeom>
+        </p:spPr>
+      </p:pic>
+    </p:spTree>
+    <p:extLst>
+      <p:ext uri="{BB962C8B-B14F-4D97-AF65-F5344CB8AC3E}">
+        <p14:creationId xmlns:p14="http://schemas.microsoft.com/office/powerpoint/2010/main" val="1360915688"/>
+      </p:ext>
+    </p:extLst>
+  </p:cSld>
+  <p:clrMapOvr>
+    <a:masterClrMapping/>
+  </p:clrMapOvr>
+</p:sld>
+</file>
+
+<file path=ppt/slides/slide5.xml><?xml version="1.0" encoding="utf-8"?>
+<p:sld xmlns:a="http://schemas.openxmlformats.org/drawingml/2006/main" xmlns:r="http://schemas.openxmlformats.org/officeDocument/2006/relationships" xmlns:p="http://schemas.openxmlformats.org/presentationml/2006/main">
+  <p:cSld>
+    <p:spTree>
+      <p:nvGrpSpPr>
+        <p:cNvPr id="1" name=""/>
+        <p:cNvGrpSpPr/>
+        <p:nvPr/>
+      </p:nvGrpSpPr>
+      <p:grpSpPr>
+        <a:xfrm>
+          <a:off x="0" y="0"/>
+          <a:ext cx="0" cy="0"/>
+          <a:chOff x="0" y="0"/>
+          <a:chExt cx="0" cy="0"/>
+        </a:xfrm>
+      </p:grpSpPr>
+      <p:sp>
+        <p:nvSpPr>
+          <p:cNvPr id="2" name="Titel 1">
+            <a:extLst>
+              <a:ext uri="{FF2B5EF4-FFF2-40B4-BE49-F238E27FC236}">
+                <a16:creationId xmlns:a16="http://schemas.microsoft.com/office/drawing/2014/main" id="{C61E2BB4-7703-1844-9885-82763066E183}"/>
+              </a:ext>
+            </a:extLst>
+          </p:cNvPr>
+          <p:cNvSpPr>
+            <a:spLocks noGrp="1"/>
+          </p:cNvSpPr>
+          <p:nvPr>
+            <p:ph type="title"/>
+          </p:nvPr>
+        </p:nvSpPr>
+        <p:spPr/>
+        <p:txBody>
+          <a:bodyPr/>
+          <a:lstStyle/>
+          <a:p>
+            <a:r>
+              <a:rPr lang="de-DE" dirty="0"/>
+              <a:t>Audio - </a:t>
+            </a:r>
+            <a:r>
+              <a:rPr lang="de-DE" dirty="0" err="1"/>
+              <a:t>Abstasten</a:t>
+            </a:r>
+            <a:endParaRPr lang="de-DE" dirty="0"/>
+          </a:p>
+        </p:txBody>
+      </p:sp>
+      <p:sp>
+        <p:nvSpPr>
+          <p:cNvPr id="3" name="Inhaltsplatzhalter 2">
+            <a:extLst>
+              <a:ext uri="{FF2B5EF4-FFF2-40B4-BE49-F238E27FC236}">
+                <a16:creationId xmlns:a16="http://schemas.microsoft.com/office/drawing/2014/main" id="{59F69144-5AEA-D94D-9186-DCC4035446DE}"/>
+              </a:ext>
+            </a:extLst>
+          </p:cNvPr>
+          <p:cNvSpPr>
+            <a:spLocks noGrp="1"/>
+          </p:cNvSpPr>
+          <p:nvPr>
+            <p:ph idx="1"/>
+          </p:nvPr>
+        </p:nvSpPr>
+        <p:spPr/>
+        <p:txBody>
+          <a:bodyPr/>
+          <a:lstStyle/>
+          <a:p>
+            <a:r>
+              <a:rPr lang="de-DE" dirty="0" err="1"/>
+              <a:t>Nyquist</a:t>
+            </a:r>
+            <a:r>
+              <a:rPr lang="de-DE" dirty="0"/>
+              <a:t> Theorem </a:t>
+            </a:r>
+            <a:r>
+              <a:rPr lang="de-DE" dirty="0">
+                <a:sym typeface="Wingdings" pitchFamily="2" charset="2"/>
+              </a:rPr>
+              <a:t> </a:t>
+            </a:r>
+            <a:r>
+              <a:rPr lang="de-DE" dirty="0" err="1">
+                <a:sym typeface="Wingdings" pitchFamily="2" charset="2"/>
+              </a:rPr>
+              <a:t>Abtastfrequnz</a:t>
+            </a:r>
+            <a:r>
+              <a:rPr lang="de-DE" dirty="0">
+                <a:sym typeface="Wingdings" pitchFamily="2" charset="2"/>
+              </a:rPr>
+              <a:t> muss mindestens doppelt so groß sein, wie die zugrundeliegende Frequenz</a:t>
+            </a:r>
+            <a:endParaRPr lang="de-DE" dirty="0"/>
+          </a:p>
+        </p:txBody>
+      </p:sp>
+      <p:pic>
+        <p:nvPicPr>
+          <p:cNvPr id="5" name="Grafik 4">
+            <a:extLst>
+              <a:ext uri="{FF2B5EF4-FFF2-40B4-BE49-F238E27FC236}">
+                <a16:creationId xmlns:a16="http://schemas.microsoft.com/office/drawing/2014/main" id="{9EAFE8A4-9BD2-2E41-9B45-CF91ADBED08A}"/>
+              </a:ext>
+            </a:extLst>
+          </p:cNvPr>
+          <p:cNvPicPr>
+            <a:picLocks noChangeAspect="1"/>
+          </p:cNvPicPr>
+          <p:nvPr/>
+        </p:nvPicPr>
+        <p:blipFill>
+          <a:blip r:embed="rId2"/>
+          <a:stretch>
+            <a:fillRect/>
+          </a:stretch>
+        </p:blipFill>
+        <p:spPr>
+          <a:xfrm>
+            <a:off x="469900" y="3429000"/>
+            <a:ext cx="8204200" cy="2667000"/>
+          </a:xfrm>
+          <a:prstGeom prst="rect">
+            <a:avLst/>
+          </a:prstGeom>
+        </p:spPr>
+      </p:pic>
+    </p:spTree>
+    <p:extLst>
+      <p:ext uri="{BB962C8B-B14F-4D97-AF65-F5344CB8AC3E}">
+        <p14:creationId xmlns:p14="http://schemas.microsoft.com/office/powerpoint/2010/main" val="2535400861"/>
+      </p:ext>
+    </p:extLst>
+  </p:cSld>
+  <p:clrMapOvr>
+    <a:masterClrMapping/>
+  </p:clrMapOvr>
+</p:sld>
+</file>
+
+<file path=ppt/slides/slide6.xml><?xml version="1.0" encoding="utf-8"?>
+<p:sld xmlns:a="http://schemas.openxmlformats.org/drawingml/2006/main" xmlns:r="http://schemas.openxmlformats.org/officeDocument/2006/relationships" xmlns:p="http://schemas.openxmlformats.org/presentationml/2006/main">
+  <p:cSld>
+    <p:spTree>
+      <p:nvGrpSpPr>
+        <p:cNvPr id="1" name=""/>
+        <p:cNvGrpSpPr/>
+        <p:nvPr/>
+      </p:nvGrpSpPr>
+      <p:grpSpPr>
+        <a:xfrm>
+          <a:off x="0" y="0"/>
+          <a:ext cx="0" cy="0"/>
+          <a:chOff x="0" y="0"/>
+          <a:chExt cx="0" cy="0"/>
+        </a:xfrm>
+      </p:grpSpPr>
+      <p:sp>
+        <p:nvSpPr>
+          <p:cNvPr id="2" name="Titel 1">
+            <a:extLst>
+              <a:ext uri="{FF2B5EF4-FFF2-40B4-BE49-F238E27FC236}">
+                <a16:creationId xmlns:a16="http://schemas.microsoft.com/office/drawing/2014/main" id="{48233860-3621-414D-B7E7-03122FE0CC02}"/>
+              </a:ext>
+            </a:extLst>
+          </p:cNvPr>
+          <p:cNvSpPr>
+            <a:spLocks noGrp="1"/>
+          </p:cNvSpPr>
+          <p:nvPr>
+            <p:ph type="title"/>
+          </p:nvPr>
+        </p:nvSpPr>
+        <p:spPr/>
+        <p:txBody>
+          <a:bodyPr/>
+          <a:lstStyle/>
+          <a:p>
+            <a:r>
+              <a:rPr lang="de-DE" dirty="0"/>
+              <a:t>LSB Methode</a:t>
+            </a:r>
+          </a:p>
+        </p:txBody>
+      </p:sp>
+      <p:sp>
+        <p:nvSpPr>
+          <p:cNvPr id="3" name="Inhaltsplatzhalter 2">
+            <a:extLst>
+              <a:ext uri="{FF2B5EF4-FFF2-40B4-BE49-F238E27FC236}">
+                <a16:creationId xmlns:a16="http://schemas.microsoft.com/office/drawing/2014/main" id="{2436A332-7F71-3F4B-875F-D1DDF7377989}"/>
+              </a:ext>
+            </a:extLst>
+          </p:cNvPr>
+          <p:cNvSpPr>
+            <a:spLocks noGrp="1"/>
+          </p:cNvSpPr>
+          <p:nvPr>
+            <p:ph idx="1"/>
+          </p:nvPr>
+        </p:nvSpPr>
+        <p:spPr/>
+        <p:txBody>
+          <a:bodyPr/>
+          <a:lstStyle/>
+          <a:p>
+            <a:r>
+              <a:rPr lang="de-DE" dirty="0"/>
+              <a:t>Frames bestehen aus einer 16 Bit zahl</a:t>
+            </a:r>
+          </a:p>
+          <a:p>
+            <a:r>
+              <a:rPr lang="de-DE" dirty="0"/>
+              <a:t>Diese repräsentiert die Amplitude</a:t>
+            </a:r>
+          </a:p>
+          <a:p>
+            <a:r>
+              <a:rPr lang="de-DE" dirty="0"/>
+              <a:t>Bits der binärkodierten Nachricht werden die </a:t>
+            </a:r>
+            <a:r>
+              <a:rPr lang="de-DE" dirty="0" err="1"/>
+              <a:t>n</a:t>
+            </a:r>
+            <a:r>
+              <a:rPr lang="de-DE" dirty="0"/>
+              <a:t> letzten Bits geändert</a:t>
+            </a:r>
+          </a:p>
+        </p:txBody>
+      </p:sp>
+      <p:pic>
+        <p:nvPicPr>
+          <p:cNvPr id="4" name="encoded.wav">
+            <a:hlinkClick r:id="" action="ppaction://media"/>
+            <a:extLst>
+              <a:ext uri="{FF2B5EF4-FFF2-40B4-BE49-F238E27FC236}">
+                <a16:creationId xmlns:a16="http://schemas.microsoft.com/office/drawing/2014/main" id="{8A728F12-54AD-544F-98E4-5F6F5A801766}"/>
+              </a:ext>
+            </a:extLst>
+          </p:cNvPr>
+          <p:cNvPicPr>
+            <a:picLocks noChangeAspect="1"/>
+          </p:cNvPicPr>
+          <p:nvPr>
+            <a:audioFile r:link="rId2"/>
+            <p:extLst>
+              <p:ext uri="{DAA4B4D4-6D71-4841-9C94-3DE7FCFB9230}">
+                <p14:media xmlns:p14="http://schemas.microsoft.com/office/powerpoint/2010/main" r:embed="rId1"/>
+              </p:ext>
+            </p:extLst>
+          </p:nvPr>
+        </p:nvPicPr>
+        <p:blipFill>
+          <a:blip r:embed="rId7"/>
+          <a:stretch>
+            <a:fillRect/>
+          </a:stretch>
+        </p:blipFill>
+        <p:spPr>
+          <a:xfrm>
+            <a:off x="6663473" y="4001294"/>
+            <a:ext cx="812800" cy="812800"/>
+          </a:xfrm>
+          <a:prstGeom prst="rect">
+            <a:avLst/>
+          </a:prstGeom>
+        </p:spPr>
+      </p:pic>
+      <p:pic>
+        <p:nvPicPr>
+          <p:cNvPr id="5" name="sound.wav">
+            <a:hlinkClick r:id="" action="ppaction://media"/>
+            <a:extLst>
+              <a:ext uri="{FF2B5EF4-FFF2-40B4-BE49-F238E27FC236}">
+                <a16:creationId xmlns:a16="http://schemas.microsoft.com/office/drawing/2014/main" id="{0E634A2F-D150-E84D-9D08-89DDCC294122}"/>
+              </a:ext>
+            </a:extLst>
+          </p:cNvPr>
+          <p:cNvPicPr>
+            <a:picLocks noChangeAspect="1"/>
+          </p:cNvPicPr>
+          <p:nvPr>
+            <a:audioFile r:link="rId4"/>
+            <p:extLst>
+              <p:ext uri="{DAA4B4D4-6D71-4841-9C94-3DE7FCFB9230}">
+                <p14:media xmlns:p14="http://schemas.microsoft.com/office/powerpoint/2010/main" r:embed="rId3"/>
+              </p:ext>
+            </p:extLst>
+          </p:nvPr>
+        </p:nvPicPr>
+        <p:blipFill>
+          <a:blip r:embed="rId7"/>
+          <a:stretch>
+            <a:fillRect/>
+          </a:stretch>
+        </p:blipFill>
+        <p:spPr>
+          <a:xfrm>
+            <a:off x="1667727" y="4001294"/>
+            <a:ext cx="812800" cy="812800"/>
+          </a:xfrm>
+          <a:prstGeom prst="rect">
+            <a:avLst/>
+          </a:prstGeom>
+        </p:spPr>
+      </p:pic>
+      <p:sp>
+        <p:nvSpPr>
+          <p:cNvPr id="6" name="Textfeld 5">
+            <a:extLst>
+              <a:ext uri="{FF2B5EF4-FFF2-40B4-BE49-F238E27FC236}">
+                <a16:creationId xmlns:a16="http://schemas.microsoft.com/office/drawing/2014/main" id="{12B42AF6-E73C-6D40-8DA8-88D5E4A9CFDE}"/>
+              </a:ext>
+            </a:extLst>
+          </p:cNvPr>
+          <p:cNvSpPr txBox="1"/>
+          <p:nvPr/>
+        </p:nvSpPr>
+        <p:spPr>
+          <a:xfrm>
+            <a:off x="1563288" y="5310863"/>
+            <a:ext cx="917239" cy="369332"/>
+          </a:xfrm>
+          <a:prstGeom prst="rect">
+            <a:avLst/>
+          </a:prstGeom>
+          <a:noFill/>
+        </p:spPr>
+        <p:txBody>
+          <a:bodyPr wrap="none" rtlCol="0">
+            <a:spAutoFit/>
+          </a:bodyPr>
+          <a:lstStyle/>
+          <a:p>
+            <a:r>
+              <a:rPr lang="de-DE" dirty="0"/>
+              <a:t>Original</a:t>
+            </a:r>
+          </a:p>
+        </p:txBody>
+      </p:sp>
+      <p:sp>
+        <p:nvSpPr>
+          <p:cNvPr id="7" name="Textfeld 6">
+            <a:extLst>
+              <a:ext uri="{FF2B5EF4-FFF2-40B4-BE49-F238E27FC236}">
+                <a16:creationId xmlns:a16="http://schemas.microsoft.com/office/drawing/2014/main" id="{4894E041-4DE2-3147-8911-0F2F015441AC}"/>
+              </a:ext>
+            </a:extLst>
+          </p:cNvPr>
+          <p:cNvSpPr txBox="1"/>
+          <p:nvPr/>
+        </p:nvSpPr>
+        <p:spPr>
+          <a:xfrm>
+            <a:off x="6559034" y="5310863"/>
+            <a:ext cx="184731" cy="369332"/>
+          </a:xfrm>
+          <a:prstGeom prst="rect">
+            <a:avLst/>
+          </a:prstGeom>
+          <a:noFill/>
+        </p:spPr>
+        <p:txBody>
+          <a:bodyPr wrap="none" rtlCol="0">
+            <a:spAutoFit/>
+          </a:bodyPr>
+          <a:lstStyle/>
+          <a:p>
+            <a:endParaRPr lang="de-DE" dirty="0"/>
+          </a:p>
+        </p:txBody>
+      </p:sp>
+    </p:spTree>
+    <p:extLst>
+      <p:ext uri="{BB962C8B-B14F-4D97-AF65-F5344CB8AC3E}">
+        <p14:creationId xmlns:p14="http://schemas.microsoft.com/office/powerpoint/2010/main" val="1390695615"/>
+      </p:ext>
+    </p:extLst>
+  </p:cSld>
+  <p:clrMapOvr>
+    <a:masterClrMapping/>
+  </p:clrMapOvr>
+  <p:timing>
+    <p:tnLst>
+      <p:par>
+        <p:cTn id="1" dur="indefinite" restart="never" nodeType="tmRoot">
+          <p:childTnLst>
+            <p:seq concurrent="1" nextAc="seek">
+              <p:cTn id="2" dur="indefinite" nodeType="mainSeq">
+                <p:childTnLst>
+                  <p:par>
+                    <p:cTn id="3" fill="hold">
+                      <p:stCondLst>
+                        <p:cond delay="indefinite"/>
+                      </p:stCondLst>
+                      <p:childTnLst>
+                        <p:par>
+                          <p:cTn id="4" fill="hold">
+                            <p:stCondLst>
+                              <p:cond delay="0"/>
+                            </p:stCondLst>
+                            <p:childTnLst>
+                              <p:par>
+                                <p:cTn id="5" presetID="1" presetClass="mediacall" presetSubtype="0" fill="hold" nodeType="clickEffect">
+                                  <p:stCondLst>
+                                    <p:cond delay="0"/>
+                                  </p:stCondLst>
+                                  <p:childTnLst>
+                                    <p:cmd type="call" cmd="playFrom(0.0)">
+                                      <p:cBhvr>
+                                        <p:cTn id="6" dur="2136" fill="hold"/>
+                                        <p:tgtEl>
+                                          <p:spTgt spid="4"/>
+                                        </p:tgtEl>
+                                      </p:cBhvr>
+                                    </p:cmd>
+                                  </p:childTnLst>
+                                </p:cTn>
+                              </p:par>
+                            </p:childTnLst>
+                          </p:cTn>
+                        </p:par>
+                      </p:childTnLst>
+                    </p:cTn>
+                  </p:par>
+                  <p:par>
+                    <p:cTn id="7" fill="hold">
+                      <p:stCondLst>
+                        <p:cond delay="indefinite"/>
+                      </p:stCondLst>
+                      <p:childTnLst>
+                        <p:par>
+                          <p:cTn id="8" fill="hold">
+                            <p:stCondLst>
+                              <p:cond delay="0"/>
+                            </p:stCondLst>
+                            <p:childTnLst>
+                              <p:par>
+                                <p:cTn id="9" presetID="1" presetClass="mediacall" presetSubtype="0" fill="hold" nodeType="clickEffect">
+                                  <p:stCondLst>
+                                    <p:cond delay="0"/>
+                                  </p:stCondLst>
+                                  <p:childTnLst>
+                                    <p:cmd type="call" cmd="playFrom(0.0)">
+                                      <p:cBhvr>
+                                        <p:cTn id="10" dur="2136" fill="hold"/>
+                                        <p:tgtEl>
+                                          <p:spTgt spid="5"/>
+                                        </p:tgtEl>
+                                      </p:cBhvr>
+                                    </p:cmd>
+                                  </p:childTnLst>
+                                </p:cTn>
+                              </p:par>
+                            </p:childTnLst>
+                          </p:cTn>
+                        </p:par>
+                      </p:childTnLst>
+                    </p:cTn>
+                  </p:par>
+                </p:childTnLst>
+              </p:cTn>
+              <p:prevCondLst>
+                <p:cond evt="onPrev" delay="0">
+                  <p:tgtEl>
+                    <p:sldTgt/>
+                  </p:tgtEl>
+                </p:cond>
+              </p:prevCondLst>
+              <p:nextCondLst>
+                <p:cond evt="onNext" delay="0">
+                  <p:tgtEl>
+                    <p:sldTgt/>
+                  </p:tgtEl>
+                </p:cond>
+              </p:nextCondLst>
+            </p:seq>
+            <p:audio>
+              <p:cMediaNode vol="80000">
+                <p:cTn id="11" fill="hold" display="0">
+                  <p:stCondLst>
+                    <p:cond delay="indefinite"/>
+                  </p:stCondLst>
+                  <p:endCondLst>
+                    <p:cond evt="onStopAudio" delay="0">
+                      <p:tgtEl>
+                        <p:sldTgt/>
+                      </p:tgtEl>
+                    </p:cond>
+                  </p:endCondLst>
+                </p:cTn>
+                <p:tgtEl>
+                  <p:spTgt spid="4"/>
+                </p:tgtEl>
+              </p:cMediaNode>
+            </p:audio>
+            <p:audio>
+              <p:cMediaNode vol="80000">
+                <p:cTn id="12" fill="hold" display="0">
+                  <p:stCondLst>
+                    <p:cond delay="indefinite"/>
+                  </p:stCondLst>
+                  <p:endCondLst>
+                    <p:cond evt="onStopAudio" delay="0">
+                      <p:tgtEl>
+                        <p:sldTgt/>
+                      </p:tgtEl>
+                    </p:cond>
+                  </p:endCondLst>
+                </p:cTn>
+                <p:tgtEl>
+                  <p:spTgt spid="5"/>
+                </p:tgtEl>
+              </p:cMediaNode>
+            </p:audio>
+          </p:childTnLst>
+        </p:cTn>
+      </p:par>
+    </p:tnLst>
+  </p:timing>
+</p:sld>
+</file>
+
+<file path=ppt/slides/slide7.xml><?xml version="1.0" encoding="utf-8"?>
+<p:sld xmlns:a="http://schemas.openxmlformats.org/drawingml/2006/main" xmlns:r="http://schemas.openxmlformats.org/officeDocument/2006/relationships" xmlns:p="http://schemas.openxmlformats.org/presentationml/2006/main">
+  <p:cSld>
+    <p:spTree>
+      <p:nvGrpSpPr>
+        <p:cNvPr id="1" name=""/>
+        <p:cNvGrpSpPr/>
+        <p:nvPr/>
+      </p:nvGrpSpPr>
+      <p:grpSpPr>
+        <a:xfrm>
+          <a:off x="0" y="0"/>
+          <a:ext cx="0" cy="0"/>
+          <a:chOff x="0" y="0"/>
+          <a:chExt cx="0" cy="0"/>
+        </a:xfrm>
+      </p:grpSpPr>
+      <p:sp>
+        <p:nvSpPr>
+          <p:cNvPr id="2" name="Titel 1">
+            <a:extLst>
+              <a:ext uri="{FF2B5EF4-FFF2-40B4-BE49-F238E27FC236}">
+                <a16:creationId xmlns:a16="http://schemas.microsoft.com/office/drawing/2014/main" id="{C6A5A59A-2BC6-1548-9F16-49ED537431A6}"/>
+              </a:ext>
+            </a:extLst>
+          </p:cNvPr>
+          <p:cNvSpPr>
+            <a:spLocks noGrp="1"/>
+          </p:cNvSpPr>
+          <p:nvPr>
+            <p:ph type="title"/>
+          </p:nvPr>
+        </p:nvSpPr>
+        <p:spPr/>
+        <p:txBody>
+          <a:bodyPr/>
+          <a:lstStyle/>
+          <a:p>
+            <a:r>
+              <a:rPr lang="de-DE" dirty="0"/>
+              <a:t>Quellen</a:t>
+            </a:r>
+          </a:p>
+        </p:txBody>
+      </p:sp>
+      <p:sp>
+        <p:nvSpPr>
+          <p:cNvPr id="3" name="Inhaltsplatzhalter 2">
+            <a:extLst>
+              <a:ext uri="{FF2B5EF4-FFF2-40B4-BE49-F238E27FC236}">
+                <a16:creationId xmlns:a16="http://schemas.microsoft.com/office/drawing/2014/main" id="{137676B2-7595-8E41-9064-0DC9D73025E7}"/>
+              </a:ext>
+            </a:extLst>
+          </p:cNvPr>
+          <p:cNvSpPr>
+            <a:spLocks noGrp="1"/>
+          </p:cNvSpPr>
+          <p:nvPr>
+            <p:ph idx="1"/>
+          </p:nvPr>
+        </p:nvSpPr>
+        <p:spPr/>
+        <p:txBody>
+          <a:bodyPr/>
+          <a:lstStyle/>
+          <a:p>
+            <a:r>
+              <a:rPr lang="de-DE" dirty="0"/>
+              <a:t>http://</a:t>
+            </a:r>
+            <a:r>
+              <a:rPr lang="de-DE" dirty="0" err="1"/>
+              <a:t>www.howmusicworks.org</a:t>
+            </a:r>
+            <a:r>
+              <a:rPr lang="de-DE" dirty="0"/>
+              <a:t>/103/Sound-</a:t>
+            </a:r>
+            <a:r>
+              <a:rPr lang="de-DE" dirty="0" err="1"/>
+              <a:t>and</a:t>
+            </a:r>
+            <a:r>
+              <a:rPr lang="de-DE" dirty="0"/>
+              <a:t>-Music/Amplitude-</a:t>
+            </a:r>
+            <a:r>
+              <a:rPr lang="de-DE" dirty="0" err="1"/>
+              <a:t>and</a:t>
+            </a:r>
+            <a:r>
+              <a:rPr lang="de-DE" dirty="0"/>
+              <a:t>-</a:t>
+            </a:r>
+            <a:r>
+              <a:rPr lang="de-DE" dirty="0" err="1"/>
+              <a:t>Frequency</a:t>
+            </a:r>
+            <a:endParaRPr lang="de-DE" dirty="0"/>
+          </a:p>
+        </p:txBody>
+      </p:sp>
+    </p:spTree>
+    <p:extLst>
+      <p:ext uri="{BB962C8B-B14F-4D97-AF65-F5344CB8AC3E}">
+        <p14:creationId xmlns:p14="http://schemas.microsoft.com/office/powerpoint/2010/main" val="2782116416"/>
       </p:ext>
     </p:extLst>
   </p:cSld>

--- a/Präsentationen/Steganographie&Steganalyse_Gesamtpräsentation_Termin2.pptx
+++ b/Präsentationen/Steganographie&Steganalyse_Gesamtpräsentation_Termin2.pptx
@@ -4734,6 +4734,41 @@
           <a:lstStyle/>
           <a:p>
             <a:endParaRPr lang="de-DE" dirty="0"/>
+          </a:p>
+        </p:txBody>
+      </p:sp>
+      <p:sp>
+        <p:nvSpPr>
+          <p:cNvPr id="8" name="Textfeld 7">
+            <a:extLst>
+              <a:ext uri="{FF2B5EF4-FFF2-40B4-BE49-F238E27FC236}">
+                <a16:creationId xmlns:a16="http://schemas.microsoft.com/office/drawing/2014/main" id="{7221D9B2-88B9-B44D-AC06-773EA21706AF}"/>
+              </a:ext>
+            </a:extLst>
+          </p:cNvPr>
+          <p:cNvSpPr txBox="1"/>
+          <p:nvPr/>
+        </p:nvSpPr>
+        <p:spPr>
+          <a:xfrm>
+            <a:off x="6559034" y="5279478"/>
+            <a:ext cx="1289135" cy="369332"/>
+          </a:xfrm>
+          <a:prstGeom prst="rect">
+            <a:avLst/>
+          </a:prstGeom>
+          <a:noFill/>
+        </p:spPr>
+        <p:txBody>
+          <a:bodyPr wrap="none" rtlCol="0">
+            <a:spAutoFit/>
+          </a:bodyPr>
+          <a:lstStyle/>
+          <a:p>
+            <a:r>
+              <a:rPr lang="de-DE" dirty="0"/>
+              <a:t>Manipuliert</a:t>
+            </a:r>
           </a:p>
         </p:txBody>
       </p:sp>

--- a/Präsentationen/Steganographie&Steganalyse_Gesamtpräsentation_Termin2.pptx
+++ b/Präsentationen/Steganographie&Steganalyse_Gesamtpräsentation_Termin2.pptx
@@ -203,7 +203,7 @@
           <a:p>
             <a:fld id="{A2405D4A-591D-2B41-B8F4-FA371B41D1CF}" type="datetimeFigureOut">
               <a:rPr lang="de-DE" smtClean="0"/>
-              <a:t>08.12.18</a:t>
+              <a:t>09.12.18</a:t>
             </a:fld>
             <a:endParaRPr lang="de-DE"/>
           </a:p>
@@ -516,11 +516,106 @@
           <a:p>
             <a:r>
               <a:rPr lang="de-DE" dirty="0"/>
-              <a:t>Hier letzten 10 Bits ersetzt, sonst </a:t>
-            </a:r>
-            <a:r>
-              <a:rPr lang="de-DE"/>
-              <a:t>kaum wahrnehmbar</a:t>
+              <a:t>Sampling Rate von 44.1kHz</a:t>
+            </a:r>
+          </a:p>
+          <a:p>
+            <a:r>
+              <a:rPr lang="de-DE" dirty="0"/>
+              <a:t>16 Bit Tiefe</a:t>
+            </a:r>
+          </a:p>
+        </p:txBody>
+      </p:sp>
+      <p:sp>
+        <p:nvSpPr>
+          <p:cNvPr id="4" name="Foliennummernplatzhalter 3"/>
+          <p:cNvSpPr>
+            <a:spLocks noGrp="1"/>
+          </p:cNvSpPr>
+          <p:nvPr>
+            <p:ph type="sldNum" sz="quarter" idx="5"/>
+          </p:nvPr>
+        </p:nvSpPr>
+        <p:spPr/>
+        <p:txBody>
+          <a:bodyPr/>
+          <a:lstStyle/>
+          <a:p>
+            <a:fld id="{4657A71A-5AE3-EA43-B407-0093EC871AAE}" type="slidenum">
+              <a:rPr lang="de-DE" smtClean="0"/>
+              <a:t>5</a:t>
+            </a:fld>
+            <a:endParaRPr lang="de-DE"/>
+          </a:p>
+        </p:txBody>
+      </p:sp>
+    </p:spTree>
+    <p:extLst>
+      <p:ext uri="{BB962C8B-B14F-4D97-AF65-F5344CB8AC3E}">
+        <p14:creationId xmlns:p14="http://schemas.microsoft.com/office/powerpoint/2010/main" val="1076236157"/>
+      </p:ext>
+    </p:extLst>
+  </p:cSld>
+  <p:clrMapOvr>
+    <a:masterClrMapping/>
+  </p:clrMapOvr>
+</p:notes>
+</file>
+
+<file path=ppt/notesSlides/notesSlide2.xml><?xml version="1.0" encoding="utf-8"?>
+<p:notes xmlns:a="http://schemas.openxmlformats.org/drawingml/2006/main" xmlns:r="http://schemas.openxmlformats.org/officeDocument/2006/relationships" xmlns:p="http://schemas.openxmlformats.org/presentationml/2006/main">
+  <p:cSld>
+    <p:spTree>
+      <p:nvGrpSpPr>
+        <p:cNvPr id="1" name=""/>
+        <p:cNvGrpSpPr/>
+        <p:nvPr/>
+      </p:nvGrpSpPr>
+      <p:grpSpPr>
+        <a:xfrm>
+          <a:off x="0" y="0"/>
+          <a:ext cx="0" cy="0"/>
+          <a:chOff x="0" y="0"/>
+          <a:chExt cx="0" cy="0"/>
+        </a:xfrm>
+      </p:grpSpPr>
+      <p:sp>
+        <p:nvSpPr>
+          <p:cNvPr id="2" name="Folienbildplatzhalter 1"/>
+          <p:cNvSpPr>
+            <a:spLocks noGrp="1" noRot="1" noChangeAspect="1"/>
+          </p:cNvSpPr>
+          <p:nvPr>
+            <p:ph type="sldImg"/>
+          </p:nvPr>
+        </p:nvSpPr>
+        <p:spPr/>
+      </p:sp>
+      <p:sp>
+        <p:nvSpPr>
+          <p:cNvPr id="3" name="Notizenplatzhalter 2"/>
+          <p:cNvSpPr>
+            <a:spLocks noGrp="1"/>
+          </p:cNvSpPr>
+          <p:nvPr>
+            <p:ph type="body" idx="1"/>
+          </p:nvPr>
+        </p:nvSpPr>
+        <p:spPr/>
+        <p:txBody>
+          <a:bodyPr/>
+          <a:lstStyle/>
+          <a:p>
+            <a:r>
+              <a:rPr lang="de-DE" dirty="0"/>
+              <a:t>Hier letzten 8 Bits ersetzt</a:t>
+            </a:r>
+          </a:p>
+          <a:p>
+            <a:r>
+              <a:rPr lang="de-DE" dirty="0"/>
+              <a:t>ab 4 Bits schon wahrnehmbar</a:t>
             </a:r>
           </a:p>
         </p:txBody>
@@ -1556,7 +1651,7 @@
                 <a:ea typeface="Helvetica" charset="0"/>
                 <a:cs typeface="Helvetica" charset="0"/>
               </a:rPr>
-              <a:t>8. Dezember 2018</a:t>
+              <a:t>9. Dezember 2018</a:t>
             </a:fld>
             <a:endParaRPr lang="de-DE" sz="1400" b="1" dirty="0">
               <a:effectLst/>
@@ -4473,7 +4568,7 @@
           <p:nvPr/>
         </p:nvPicPr>
         <p:blipFill>
-          <a:blip r:embed="rId2"/>
+          <a:blip r:embed="rId3"/>
           <a:stretch>
             <a:fillRect/>
           </a:stretch>
@@ -4569,7 +4664,7 @@
           <a:p>
             <a:r>
               <a:rPr lang="de-DE" dirty="0"/>
-              <a:t>Frames bestehen aus einer 16 Bit zahl</a:t>
+              <a:t>Frames bestehen aus einer 16 Bit Zahl</a:t>
             </a:r>
           </a:p>
           <a:p>
@@ -4589,87 +4684,16 @@
             </a:r>
             <a:r>
               <a:rPr lang="de-DE" dirty="0"/>
-              <a:t> letzten Bits geändert</a:t>
-            </a:r>
-          </a:p>
-        </p:txBody>
-      </p:sp>
-      <p:pic>
-        <p:nvPicPr>
-          <p:cNvPr id="4" name="encoded.wav">
-            <a:hlinkClick r:id="" action="ppaction://media"/>
-            <a:extLst>
-              <a:ext uri="{FF2B5EF4-FFF2-40B4-BE49-F238E27FC236}">
-                <a16:creationId xmlns:a16="http://schemas.microsoft.com/office/drawing/2014/main" id="{8A728F12-54AD-544F-98E4-5F6F5A801766}"/>
-              </a:ext>
-            </a:extLst>
-          </p:cNvPr>
-          <p:cNvPicPr>
-            <a:picLocks noChangeAspect="1"/>
-          </p:cNvPicPr>
-          <p:nvPr>
-            <a:audioFile r:link="rId2"/>
-            <p:extLst>
-              <p:ext uri="{DAA4B4D4-6D71-4841-9C94-3DE7FCFB9230}">
-                <p14:media xmlns:p14="http://schemas.microsoft.com/office/powerpoint/2010/main" r:embed="rId1"/>
-              </p:ext>
-            </p:extLst>
-          </p:nvPr>
-        </p:nvPicPr>
-        <p:blipFill>
-          <a:blip r:embed="rId7"/>
-          <a:stretch>
-            <a:fillRect/>
-          </a:stretch>
-        </p:blipFill>
-        <p:spPr>
-          <a:xfrm>
-            <a:off x="6663473" y="4001294"/>
-            <a:ext cx="812800" cy="812800"/>
-          </a:xfrm>
-          <a:prstGeom prst="rect">
-            <a:avLst/>
-          </a:prstGeom>
-        </p:spPr>
-      </p:pic>
-      <p:pic>
-        <p:nvPicPr>
-          <p:cNvPr id="5" name="sound.wav">
-            <a:hlinkClick r:id="" action="ppaction://media"/>
-            <a:extLst>
-              <a:ext uri="{FF2B5EF4-FFF2-40B4-BE49-F238E27FC236}">
-                <a16:creationId xmlns:a16="http://schemas.microsoft.com/office/drawing/2014/main" id="{0E634A2F-D150-E84D-9D08-89DDCC294122}"/>
-              </a:ext>
-            </a:extLst>
-          </p:cNvPr>
-          <p:cNvPicPr>
-            <a:picLocks noChangeAspect="1"/>
-          </p:cNvPicPr>
-          <p:nvPr>
-            <a:audioFile r:link="rId4"/>
-            <p:extLst>
-              <p:ext uri="{DAA4B4D4-6D71-4841-9C94-3DE7FCFB9230}">
-                <p14:media xmlns:p14="http://schemas.microsoft.com/office/powerpoint/2010/main" r:embed="rId3"/>
-              </p:ext>
-            </p:extLst>
-          </p:nvPr>
-        </p:nvPicPr>
-        <p:blipFill>
-          <a:blip r:embed="rId7"/>
-          <a:stretch>
-            <a:fillRect/>
-          </a:stretch>
-        </p:blipFill>
-        <p:spPr>
-          <a:xfrm>
-            <a:off x="1667727" y="4001294"/>
-            <a:ext cx="812800" cy="812800"/>
-          </a:xfrm>
-          <a:prstGeom prst="rect">
-            <a:avLst/>
-          </a:prstGeom>
-        </p:spPr>
-      </p:pic>
+              <a:t> letzten Bits des </a:t>
+            </a:r>
+            <a:r>
+              <a:rPr lang="de-DE"/>
+              <a:t>Frames geschrieben</a:t>
+            </a:r>
+            <a:endParaRPr lang="de-DE" dirty="0"/>
+          </a:p>
+        </p:txBody>
+      </p:sp>
       <p:sp>
         <p:nvSpPr>
           <p:cNvPr id="6" name="Textfeld 5">
@@ -4772,6 +4796,82 @@
           </a:p>
         </p:txBody>
       </p:sp>
+      <p:pic>
+        <p:nvPicPr>
+          <p:cNvPr id="10" name="sound_2.wav">
+            <a:hlinkClick r:id="" action="ppaction://media"/>
+            <a:extLst>
+              <a:ext uri="{FF2B5EF4-FFF2-40B4-BE49-F238E27FC236}">
+                <a16:creationId xmlns:a16="http://schemas.microsoft.com/office/drawing/2014/main" id="{18569585-B70E-C94E-9BBB-B4F1EA945EA1}"/>
+              </a:ext>
+            </a:extLst>
+          </p:cNvPr>
+          <p:cNvPicPr>
+            <a:picLocks noChangeAspect="1"/>
+          </p:cNvPicPr>
+          <p:nvPr>
+            <a:audioFile r:link="rId2"/>
+            <p:extLst>
+              <p:ext uri="{DAA4B4D4-6D71-4841-9C94-3DE7FCFB9230}">
+                <p14:media xmlns:p14="http://schemas.microsoft.com/office/powerpoint/2010/main" r:embed="rId1"/>
+              </p:ext>
+            </p:extLst>
+          </p:nvPr>
+        </p:nvPicPr>
+        <p:blipFill>
+          <a:blip r:embed="rId7"/>
+          <a:stretch>
+            <a:fillRect/>
+          </a:stretch>
+        </p:blipFill>
+        <p:spPr>
+          <a:xfrm>
+            <a:off x="1615507" y="4498063"/>
+            <a:ext cx="812800" cy="812800"/>
+          </a:xfrm>
+          <a:prstGeom prst="rect">
+            <a:avLst/>
+          </a:prstGeom>
+        </p:spPr>
+      </p:pic>
+      <p:pic>
+        <p:nvPicPr>
+          <p:cNvPr id="11" name="encoded.wav">
+            <a:hlinkClick r:id="" action="ppaction://media"/>
+            <a:extLst>
+              <a:ext uri="{FF2B5EF4-FFF2-40B4-BE49-F238E27FC236}">
+                <a16:creationId xmlns:a16="http://schemas.microsoft.com/office/drawing/2014/main" id="{ABB6C9AF-44D0-4B44-A85F-474BD36670D3}"/>
+              </a:ext>
+            </a:extLst>
+          </p:cNvPr>
+          <p:cNvPicPr>
+            <a:picLocks noChangeAspect="1"/>
+          </p:cNvPicPr>
+          <p:nvPr>
+            <a:audioFile r:link="rId4"/>
+            <p:extLst>
+              <p:ext uri="{DAA4B4D4-6D71-4841-9C94-3DE7FCFB9230}">
+                <p14:media xmlns:p14="http://schemas.microsoft.com/office/powerpoint/2010/main" r:embed="rId3"/>
+              </p:ext>
+            </p:extLst>
+          </p:nvPr>
+        </p:nvPicPr>
+        <p:blipFill>
+          <a:blip r:embed="rId7"/>
+          <a:stretch>
+            <a:fillRect/>
+          </a:stretch>
+        </p:blipFill>
+        <p:spPr>
+          <a:xfrm>
+            <a:off x="6754916" y="4466678"/>
+            <a:ext cx="812800" cy="812800"/>
+          </a:xfrm>
+          <a:prstGeom prst="rect">
+            <a:avLst/>
+          </a:prstGeom>
+        </p:spPr>
+      </p:pic>
     </p:spTree>
     <p:extLst>
       <p:ext uri="{BB962C8B-B14F-4D97-AF65-F5344CB8AC3E}">
@@ -4810,9 +4910,9 @@
                                   <p:childTnLst>
                                     <p:cmd type="call" cmd="playFrom(0.0)">
                                       <p:cBhvr>
-                                        <p:cTn id="6" dur="2136" fill="hold"/>
+                                        <p:cTn id="6" dur="3970" fill="hold"/>
                                         <p:tgtEl>
-                                          <p:spTgt spid="4"/>
+                                          <p:spTgt spid="10"/>
                                         </p:tgtEl>
                                       </p:cBhvr>
                                     </p:cmd>
@@ -4845,9 +4945,9 @@
                                   <p:childTnLst>
                                     <p:cmd type="call" cmd="playFrom(0.0)">
                                       <p:cBhvr>
-                                        <p:cTn id="10" dur="2136" fill="hold"/>
+                                        <p:cTn id="10" dur="3970" fill="hold"/>
                                         <p:tgtEl>
-                                          <p:spTgt spid="5"/>
+                                          <p:spTgt spid="11"/>
                                         </p:tgtEl>
                                       </p:cBhvr>
                                     </p:cmd>
@@ -4892,7 +4992,7 @@
                   </p:endCondLst>
                 </p:cTn>
                 <p:tgtEl>
-                  <p:spTgt spid="4"/>
+                  <p:spTgt spid="10"/>
                 </p:tgtEl>
               </p:cMediaNode>
             </p:audio>
@@ -4911,7 +5011,7 @@
                   </p:endCondLst>
                 </p:cTn>
                 <p:tgtEl>
-                  <p:spTgt spid="5"/>
+                  <p:spTgt spid="11"/>
                 </p:tgtEl>
               </p:cMediaNode>
             </p:audio>
